--- a/Probleemstelling/Presentatie/ProbleemstellingV3.pptx
+++ b/Probleemstelling/Presentatie/ProbleemstellingV3.pptx
@@ -117,6 +117,22 @@
       </a:defRPr>
     </a:lvl9pPr>
   </p:defaultTextStyle>
+  <p:extLst>
+    <p:ext uri="{EFAFB233-063F-42B5-8137-9DF3F51BA10A}">
+      <p15:sldGuideLst xmlns:p15="http://schemas.microsoft.com/office/powerpoint/2012/main">
+        <p15:guide id="1" orient="horz" pos="3072">
+          <p15:clr>
+            <a:srgbClr val="A4A3A4"/>
+          </p15:clr>
+        </p15:guide>
+        <p15:guide id="2" pos="4096">
+          <p15:clr>
+            <a:srgbClr val="A4A3A4"/>
+          </p15:clr>
+        </p15:guide>
+      </p15:sldGuideLst>
+    </p:ext>
+  </p:extLst>
 </p:presentation>
 </file>
 
@@ -523,7 +539,7 @@
   <p:clrMapOvr>
     <a:masterClrMapping/>
   </p:clrMapOvr>
-  <p:transition xmlns:p14="http://schemas.microsoft.com/office/powerpoint/2010/main" spd="med"/>
+  <p:transition spd="med"/>
 </p:sldLayout>
 </file>
 
@@ -549,7 +565,7 @@
   <p:clrMapOvr>
     <a:masterClrMapping/>
   </p:clrMapOvr>
-  <p:transition xmlns:p14="http://schemas.microsoft.com/office/powerpoint/2010/main" spd="med"/>
+  <p:transition spd="med"/>
 </p:sldLayout>
 </file>
 
@@ -575,7 +591,7 @@
   <p:clrMapOvr>
     <a:masterClrMapping/>
   </p:clrMapOvr>
-  <p:transition xmlns:p14="http://schemas.microsoft.com/office/powerpoint/2010/main" spd="med"/>
+  <p:transition spd="med"/>
 </p:sldLayout>
 </file>
 
@@ -601,7 +617,7 @@
   <p:clrMapOvr>
     <a:masterClrMapping/>
   </p:clrMapOvr>
-  <p:transition xmlns:p14="http://schemas.microsoft.com/office/powerpoint/2010/main" spd="med"/>
+  <p:transition spd="med"/>
 </p:sldLayout>
 </file>
 
@@ -818,7 +834,7 @@
   <p:clrMapOvr>
     <a:masterClrMapping/>
   </p:clrMapOvr>
-  <p:transition xmlns:p14="http://schemas.microsoft.com/office/powerpoint/2010/main" spd="med"/>
+  <p:transition spd="med"/>
 </p:sldLayout>
 </file>
 
@@ -885,7 +901,7 @@
   <p:clrMapOvr>
     <a:masterClrMapping/>
   </p:clrMapOvr>
-  <p:transition xmlns:p14="http://schemas.microsoft.com/office/powerpoint/2010/main" spd="med"/>
+  <p:transition spd="med"/>
 </p:sldLayout>
 </file>
 
@@ -1106,7 +1122,7 @@
   <p:clrMapOvr>
     <a:masterClrMapping/>
   </p:clrMapOvr>
-  <p:transition xmlns:p14="http://schemas.microsoft.com/office/powerpoint/2010/main" spd="med"/>
+  <p:transition spd="med"/>
 </p:sldLayout>
 </file>
 
@@ -1169,7 +1185,7 @@
   <p:clrMapOvr>
     <a:masterClrMapping/>
   </p:clrMapOvr>
-  <p:transition xmlns:p14="http://schemas.microsoft.com/office/powerpoint/2010/main" spd="med"/>
+  <p:transition spd="med"/>
 </p:sldLayout>
 </file>
 
@@ -1337,7 +1353,7 @@
   <p:clrMapOvr>
     <a:masterClrMapping/>
   </p:clrMapOvr>
-  <p:transition xmlns:p14="http://schemas.microsoft.com/office/powerpoint/2010/main" spd="med"/>
+  <p:transition spd="med"/>
 </p:sldLayout>
 </file>
 
@@ -1540,7 +1556,7 @@
   <p:clrMapOvr>
     <a:masterClrMapping/>
   </p:clrMapOvr>
-  <p:transition xmlns:p14="http://schemas.microsoft.com/office/powerpoint/2010/main" spd="med"/>
+  <p:transition spd="med"/>
 </p:sldLayout>
 </file>
 
@@ -1675,7 +1691,7 @@
   <p:clrMapOvr>
     <a:masterClrMapping/>
   </p:clrMapOvr>
-  <p:transition xmlns:p14="http://schemas.microsoft.com/office/powerpoint/2010/main" spd="med"/>
+  <p:transition spd="med"/>
 </p:sldLayout>
 </file>
 
@@ -1701,7 +1717,7 @@
   <p:clrMapOvr>
     <a:masterClrMapping/>
   </p:clrMapOvr>
-  <p:transition xmlns:p14="http://schemas.microsoft.com/office/powerpoint/2010/main" spd="med"/>
+  <p:transition spd="med"/>
 </p:sldLayout>
 </file>
 
@@ -1753,7 +1769,7 @@
           </a:ln>
           <a:extLst>
             <a:ext uri="{C572A759-6A51-4108-AA02-DFA0A04FC94B}">
-              <ma14:wrappingTextBoxFlag xmlns:ma14="http://schemas.microsoft.com/office/mac/drawingml/2011/main" val="1"/>
+              <ma14:wrappingTextBoxFlag xmlns:ma14="http://schemas.microsoft.com/office/mac/drawingml/2011/main" xmlns="" val="1"/>
             </a:ext>
           </a:extLst>
         </p:spPr>
@@ -1804,7 +1820,7 @@
           </a:ln>
           <a:extLst>
             <a:ext uri="{C572A759-6A51-4108-AA02-DFA0A04FC94B}">
-              <ma14:wrappingTextBoxFlag xmlns:ma14="http://schemas.microsoft.com/office/mac/drawingml/2011/main" val="1"/>
+              <ma14:wrappingTextBoxFlag xmlns:ma14="http://schemas.microsoft.com/office/mac/drawingml/2011/main" xmlns="" val="1"/>
             </a:ext>
           </a:extLst>
         </p:spPr>
@@ -1917,7 +1933,7 @@
     <p:sldLayoutId id="2147483659" r:id="rId11"/>
     <p:sldLayoutId id="2147483660" r:id="rId12"/>
   </p:sldLayoutIdLst>
-  <p:transition xmlns:p14="http://schemas.microsoft.com/office/powerpoint/2010/main" spd="med"/>
+  <p:transition spd="med"/>
   <p:txStyles>
     <p:titleStyle>
       <a:lvl1pPr algn="ctr" defTabSz="584200">
@@ -2315,7 +2331,7 @@
               </a:defRPr>
             </a:pPr>
             <a:r>
-              <a:rPr sz="8000">
+              <a:rPr sz="8000" dirty="0">
                 <a:solidFill>
                   <a:srgbClr val="FFFFFF"/>
                 </a:solidFill>
@@ -2323,14 +2339,14 @@
               <a:t>Flash Fill &amp;</a:t>
             </a:r>
             <a:br>
-              <a:rPr sz="8000">
+              <a:rPr sz="8000" dirty="0">
                 <a:solidFill>
                   <a:srgbClr val="FFFFFF"/>
                 </a:solidFill>
               </a:rPr>
             </a:br>
             <a:r>
-              <a:rPr sz="8000">
+              <a:rPr sz="8000" dirty="0">
                 <a:solidFill>
                   <a:srgbClr val="FFFFFF"/>
                 </a:solidFill>
@@ -2371,13 +2387,26 @@
               </a:defRPr>
             </a:pPr>
             <a:r>
-              <a:rPr sz="4500">
-                <a:solidFill>
-                  <a:srgbClr val="FFFFFF"/>
-                </a:solidFill>
-              </a:rPr>
-              <a:t>De probleemstelling</a:t>
-            </a:r>
+              <a:rPr sz="4500" dirty="0">
+                <a:solidFill>
+                  <a:srgbClr val="FFFFFF"/>
+                </a:solidFill>
+              </a:rPr>
+              <a:t>De </a:t>
+            </a:r>
+            <a:r>
+              <a:rPr lang="nl-BE" sz="4500" dirty="0" smtClean="0">
+                <a:solidFill>
+                  <a:srgbClr val="FFFFFF"/>
+                </a:solidFill>
+              </a:rPr>
+              <a:t>probleemstelling</a:t>
+            </a:r>
+            <a:endParaRPr lang="nl-BE" sz="4500" dirty="0">
+              <a:solidFill>
+                <a:srgbClr val="FFFFFF"/>
+              </a:solidFill>
+            </a:endParaRPr>
           </a:p>
         </p:txBody>
       </p:sp>
@@ -2389,8 +2418,8 @@
         </p:nvSpPr>
         <p:spPr>
           <a:xfrm>
-            <a:off x="3251936" y="8430745"/>
-            <a:ext cx="6500928" cy="647701"/>
+            <a:off x="3193802" y="8426301"/>
+            <a:ext cx="6617196" cy="656590"/>
           </a:xfrm>
           <a:prstGeom prst="rect">
             <a:avLst/>
@@ -2400,7 +2429,7 @@
           </a:ln>
           <a:extLst>
             <a:ext uri="{C572A759-6A51-4108-AA02-DFA0A04FC94B}">
-              <ma14:wrappingTextBoxFlag xmlns:ma14="http://schemas.microsoft.com/office/mac/drawingml/2011/main" val="1"/>
+              <ma14:wrappingTextBoxFlag xmlns:ma14="http://schemas.microsoft.com/office/mac/drawingml/2011/main" xmlns="" val="1"/>
             </a:ext>
           </a:extLst>
         </p:spPr>
@@ -2418,12 +2447,20 @@
               </a:defRPr>
             </a:pPr>
             <a:r>
-              <a:rPr sz="3600">
-                <a:solidFill>
-                  <a:srgbClr val="FFFFFF"/>
-                </a:solidFill>
-              </a:rPr>
-              <a:t>Jeroen Craps &amp; Tom De Groote</a:t>
+              <a:rPr sz="3600" dirty="0">
+                <a:solidFill>
+                  <a:srgbClr val="FFFFFF"/>
+                </a:solidFill>
+              </a:rPr>
+              <a:t>Jeroen</a:t>
+            </a:r>
+            <a:r>
+              <a:rPr sz="3600" dirty="0">
+                <a:solidFill>
+                  <a:srgbClr val="FFFFFF"/>
+                </a:solidFill>
+              </a:rPr>
+              <a:t> Craps &amp; Tom De Groote</a:t>
             </a:r>
           </a:p>
         </p:txBody>
@@ -2433,11 +2470,11 @@
   <p:clrMapOvr>
     <a:masterClrMapping/>
   </p:clrMapOvr>
-  <p:transition xmlns:p14="http://schemas.microsoft.com/office/powerpoint/2010/main" spd="med"/>
+  <p:transition spd="med"/>
   <p:timing>
     <p:tnLst>
       <p:par>
-        <p:cTn xmlns:p14="http://schemas.microsoft.com/office/powerpoint/2010/main" id="1" dur="indefinite" restart="never" nodeType="tmRoot"/>
+        <p:cTn id="1" dur="indefinite" restart="never" nodeType="tmRoot"/>
       </p:par>
     </p:tnLst>
   </p:timing>
@@ -2480,7 +2517,7 @@
           </a:ln>
           <a:extLst>
             <a:ext uri="{C572A759-6A51-4108-AA02-DFA0A04FC94B}">
-              <ma14:wrappingTextBoxFlag xmlns:ma14="http://schemas.microsoft.com/office/mac/drawingml/2011/main" val="1"/>
+              <ma14:wrappingTextBoxFlag xmlns:ma14="http://schemas.microsoft.com/office/mac/drawingml/2011/main" xmlns="" val="1"/>
             </a:ext>
           </a:extLst>
         </p:spPr>
@@ -2499,12 +2536,12 @@
               </a:defRPr>
             </a:pPr>
             <a:r>
-              <a:rPr sz="4500" dirty="0">
-                <a:solidFill>
-                  <a:srgbClr val="FFFFFF"/>
-                </a:solidFill>
-              </a:rPr>
-              <a:t>Vraagstelling</a:t>
+              <a:rPr lang="nl-BE" sz="4500" dirty="0" smtClean="0">
+                <a:solidFill>
+                  <a:srgbClr val="FFFFFF"/>
+                </a:solidFill>
+              </a:rPr>
+              <a:t>		Vraagstelling</a:t>
             </a:r>
           </a:p>
           <a:p>
@@ -2527,23 +2564,23 @@
               <a:t>	</a:t>
             </a:r>
             <a:r>
+              <a:rPr lang="en-US" sz="3800" dirty="0"/>
+              <a:t>	</a:t>
+            </a:r>
+            <a:r>
+              <a:rPr lang="en-US" sz="3800" dirty="0" smtClean="0"/>
+              <a:t>	</a:t>
+            </a:r>
+            <a:r>
               <a:rPr sz="3800" dirty="0" smtClean="0">
                 <a:solidFill>
                   <a:srgbClr val="FFFFFF"/>
                 </a:solidFill>
               </a:rPr>
-              <a:t>Is </a:t>
-            </a:r>
-            <a:r>
-              <a:rPr sz="3800" dirty="0">
-                <a:solidFill>
-                  <a:srgbClr val="FFFFFF"/>
-                </a:solidFill>
-              </a:rPr>
-              <a:t>het </a:t>
-            </a:r>
-            <a:r>
-              <a:rPr sz="3800" dirty="0" err="1">
+              <a:t>Is het </a:t>
+            </a:r>
+            <a:r>
+              <a:rPr lang="nl-BE" sz="3800" dirty="0" smtClean="0">
                 <a:solidFill>
                   <a:srgbClr val="FFFFFF"/>
                 </a:solidFill>
@@ -2551,7 +2588,23 @@
               <a:t>mogelijk</a:t>
             </a:r>
             <a:r>
-              <a:rPr sz="3800" dirty="0">
+              <a:rPr sz="3800" dirty="0" smtClean="0">
+                <a:solidFill>
+                  <a:srgbClr val="FFFFFF"/>
+                </a:solidFill>
+              </a:rPr>
+              <a:t> om Flash Fill </a:t>
+            </a:r>
+            <a:r>
+              <a:rPr sz="3800" dirty="0" smtClean="0">
+                <a:solidFill>
+                  <a:srgbClr val="FFFFFF"/>
+                </a:solidFill>
+              </a:rPr>
+              <a:t>te</a:t>
+            </a:r>
+            <a:r>
+              <a:rPr sz="3800" dirty="0" smtClean="0">
                 <a:solidFill>
                   <a:srgbClr val="FFFFFF"/>
                 </a:solidFill>
@@ -2559,31 +2612,15 @@
               <a:t> </a:t>
             </a:r>
             <a:r>
-              <a:rPr sz="3800" dirty="0" err="1">
-                <a:solidFill>
-                  <a:srgbClr val="FFFFFF"/>
-                </a:solidFill>
-              </a:rPr>
-              <a:t>om</a:t>
-            </a:r>
-            <a:r>
-              <a:rPr sz="3800" dirty="0">
-                <a:solidFill>
-                  <a:srgbClr val="FFFFFF"/>
-                </a:solidFill>
-              </a:rPr>
-              <a:t> Flash Fill </a:t>
-            </a:r>
-            <a:r>
-              <a:rPr sz="3800" dirty="0" err="1">
-                <a:solidFill>
-                  <a:srgbClr val="FFFFFF"/>
-                </a:solidFill>
-              </a:rPr>
-              <a:t>te</a:t>
-            </a:r>
-            <a:r>
-              <a:rPr sz="3800" dirty="0">
+              <a:rPr sz="3800" dirty="0" smtClean="0">
+                <a:solidFill>
+                  <a:srgbClr val="FFFFFF"/>
+                </a:solidFill>
+              </a:rPr>
+              <a:t>schrijven</a:t>
+            </a:r>
+            <a:r>
+              <a:rPr sz="3800" dirty="0" smtClean="0">
                 <a:solidFill>
                   <a:srgbClr val="FFFFFF"/>
                 </a:solidFill>
@@ -2591,15 +2628,23 @@
               <a:t> </a:t>
             </a:r>
             <a:r>
-              <a:rPr sz="3800" dirty="0" err="1">
-                <a:solidFill>
-                  <a:srgbClr val="FFFFFF"/>
-                </a:solidFill>
-              </a:rPr>
-              <a:t>schrijven</a:t>
-            </a:r>
-            <a:r>
-              <a:rPr sz="3800" dirty="0">
+              <a:rPr lang="nl-BE" sz="3800" dirty="0" smtClean="0">
+                <a:solidFill>
+                  <a:srgbClr val="FFFFFF"/>
+                </a:solidFill>
+              </a:rPr>
+              <a:t>                                           			</a:t>
+            </a:r>
+            <a:r>
+              <a:rPr sz="3800" dirty="0" smtClean="0">
+                <a:solidFill>
+                  <a:srgbClr val="FFFFFF"/>
+                </a:solidFill>
+              </a:rPr>
+              <a:t>voor</a:t>
+            </a:r>
+            <a:r>
+              <a:rPr lang="nl-BE" sz="3800" dirty="0" smtClean="0">
                 <a:solidFill>
                   <a:srgbClr val="FFFFFF"/>
                 </a:solidFill>
@@ -2607,31 +2652,7 @@
               <a:t> </a:t>
             </a:r>
             <a:r>
-              <a:rPr sz="3800" dirty="0" err="1">
-                <a:solidFill>
-                  <a:srgbClr val="FFFFFF"/>
-                </a:solidFill>
-              </a:rPr>
-              <a:t>voor</a:t>
-            </a:r>
-            <a:r>
-              <a:rPr sz="3800" dirty="0">
-                <a:solidFill>
-                  <a:srgbClr val="FFFFFF"/>
-                </a:solidFill>
-              </a:rPr>
-              <a:t> </a:t>
-            </a:r>
-            <a:r>
-              <a:rPr lang="en-US" sz="3800" dirty="0" smtClean="0">
-                <a:solidFill>
-                  <a:srgbClr val="FFFFFF"/>
-                </a:solidFill>
-              </a:rPr>
-              <a:t>	</a:t>
-            </a:r>
-            <a:r>
-              <a:rPr sz="3800" dirty="0" err="1" smtClean="0">
+              <a:rPr sz="3800" dirty="0" smtClean="0">
                 <a:solidFill>
                   <a:srgbClr val="FFFFFF"/>
                 </a:solidFill>
@@ -2650,7 +2671,7 @@
           <a:p>
             <a:pPr lvl="0" algn="l">
               <a:spcBef>
-                <a:spcPts val="3000"/>
+                <a:spcPts val="1200"/>
               </a:spcBef>
               <a:defRPr sz="1800">
                 <a:solidFill>
@@ -2659,13 +2680,26 @@
               </a:defRPr>
             </a:pPr>
             <a:r>
-              <a:rPr sz="4500" dirty="0">
-                <a:solidFill>
-                  <a:srgbClr val="FFFFFF"/>
-                </a:solidFill>
-              </a:rPr>
-              <a:t>Waarom?</a:t>
-            </a:r>
+              <a:rPr lang="nl-BE" sz="4500" dirty="0" smtClean="0">
+                <a:solidFill>
+                  <a:srgbClr val="FFFFFF"/>
+                </a:solidFill>
+              </a:rPr>
+              <a:t>		Waarom</a:t>
+            </a:r>
+            <a:r>
+              <a:rPr sz="4500" dirty="0" smtClean="0">
+                <a:solidFill>
+                  <a:srgbClr val="FFFFFF"/>
+                </a:solidFill>
+              </a:rPr>
+              <a:t>?</a:t>
+            </a:r>
+            <a:endParaRPr sz="4500" dirty="0">
+              <a:solidFill>
+                <a:srgbClr val="FFFFFF"/>
+              </a:solidFill>
+            </a:endParaRPr>
           </a:p>
           <a:p>
             <a:pPr lvl="1" algn="l">
@@ -2687,6 +2721,14 @@
               <a:t>	</a:t>
             </a:r>
             <a:r>
+              <a:rPr lang="en-US" sz="3800" dirty="0" smtClean="0">
+                <a:solidFill>
+                  <a:srgbClr val="FFFFFF"/>
+                </a:solidFill>
+              </a:rPr>
+              <a:t>		</a:t>
+            </a:r>
+            <a:r>
               <a:rPr sz="3800" dirty="0" smtClean="0">
                 <a:solidFill>
                   <a:srgbClr val="FFFFFF"/>
@@ -2700,7 +2742,67 @@
                   <a:srgbClr val="FFFFFF"/>
                 </a:solidFill>
               </a:rPr>
-              <a:t>bepalen van een geschikte vergelijking </a:t>
+              <a:t>bepalen van een geschikte </a:t>
+            </a:r>
+            <a:r>
+              <a:rPr sz="3800" dirty="0">
+                <a:solidFill>
+                  <a:srgbClr val="FFFFFF"/>
+                </a:solidFill>
+              </a:rPr>
+              <a:t>vergelijking</a:t>
+            </a:r>
+            <a:r>
+              <a:rPr sz="3800" dirty="0">
+                <a:solidFill>
+                  <a:srgbClr val="FFFFFF"/>
+                </a:solidFill>
+              </a:rPr>
+              <a:t> </a:t>
+            </a:r>
+            <a:r>
+              <a:rPr lang="nl-BE" sz="3800" dirty="0" smtClean="0">
+                <a:solidFill>
+                  <a:srgbClr val="FFFFFF"/>
+                </a:solidFill>
+              </a:rPr>
+              <a:t>				</a:t>
+            </a:r>
+            <a:r>
+              <a:rPr sz="3800" dirty="0" err="1" smtClean="0">
+                <a:solidFill>
+                  <a:srgbClr val="FFFFFF"/>
+                </a:solidFill>
+              </a:rPr>
+              <a:t>kan</a:t>
+            </a:r>
+            <a:r>
+              <a:rPr lang="nl-BE" sz="3800" dirty="0" smtClean="0"/>
+              <a:t> </a:t>
+            </a:r>
+            <a:r>
+              <a:rPr sz="3800" dirty="0" err="1" smtClean="0">
+                <a:solidFill>
+                  <a:srgbClr val="FFFFFF"/>
+                </a:solidFill>
+              </a:rPr>
+              <a:t>moeizaam</a:t>
+            </a:r>
+            <a:r>
+              <a:rPr sz="3800" dirty="0" smtClean="0">
+                <a:solidFill>
+                  <a:srgbClr val="FFFFFF"/>
+                </a:solidFill>
+              </a:rPr>
+              <a:t> </a:t>
+            </a:r>
+            <a:r>
+              <a:rPr sz="3800" dirty="0">
+                <a:solidFill>
+                  <a:srgbClr val="FFFFFF"/>
+                </a:solidFill>
+              </a:rPr>
+              <a:t>zijn door </a:t>
             </a:r>
             <a:r>
               <a:rPr sz="3800" dirty="0" err="1">
@@ -2708,7 +2810,7 @@
                   <a:srgbClr val="FFFFFF"/>
                 </a:solidFill>
               </a:rPr>
-              <a:t>kan</a:t>
+              <a:t>beperkte</a:t>
             </a:r>
             <a:r>
               <a:rPr sz="3800" dirty="0">
@@ -2719,12 +2821,12 @@
               <a:t> </a:t>
             </a:r>
             <a:r>
-              <a:rPr lang="en-US" sz="3800" dirty="0" smtClean="0">
-                <a:solidFill>
-                  <a:srgbClr val="FFFFFF"/>
-                </a:solidFill>
-              </a:rPr>
-              <a:t>	</a:t>
+              <a:rPr lang="nl-BE" sz="3800" dirty="0" smtClean="0">
+                <a:solidFill>
+                  <a:srgbClr val="FFFFFF"/>
+                </a:solidFill>
+              </a:rPr>
+              <a:t>							</a:t>
             </a:r>
             <a:r>
               <a:rPr sz="3800" dirty="0" err="1" smtClean="0">
@@ -2732,15 +2834,7 @@
                   <a:srgbClr val="FFFFFF"/>
                 </a:solidFill>
               </a:rPr>
-              <a:t>moeizaam</a:t>
-            </a:r>
-            <a:r>
-              <a:rPr sz="3800" dirty="0" smtClean="0">
-                <a:solidFill>
-                  <a:srgbClr val="FFFFFF"/>
-                </a:solidFill>
-              </a:rPr>
-              <a:t> </a:t>
+              <a:t>gebruikerskennis</a:t>
             </a:r>
             <a:r>
               <a:rPr sz="3800" dirty="0">
@@ -2748,7 +2842,7 @@
                   <a:srgbClr val="FFFFFF"/>
                 </a:solidFill>
               </a:rPr>
-              <a:t>zijn door beperkte gebruikerskennis.</a:t>
+              <a:t>.</a:t>
             </a:r>
           </a:p>
         </p:txBody>
@@ -2764,6 +2858,10 @@
           </p:nvPr>
         </p:nvSpPr>
         <p:spPr>
+          <a:xfrm>
+            <a:off x="952500" y="148366"/>
+            <a:ext cx="11099800" cy="2159000"/>
+          </a:xfrm>
           <a:prstGeom prst="rect">
             <a:avLst/>
           </a:prstGeom>
@@ -2780,12 +2878,28 @@
               </a:defRPr>
             </a:pPr>
             <a:r>
-              <a:rPr sz="8000">
-                <a:solidFill>
-                  <a:srgbClr val="FFFFFF"/>
-                </a:solidFill>
-              </a:rPr>
-              <a:t>Probleemstelling (1)</a:t>
+              <a:rPr lang="nl-BE" sz="8000" b="1" dirty="0" smtClean="0">
+                <a:solidFill>
+                  <a:srgbClr val="FFFFFF"/>
+                </a:solidFill>
+              </a:rPr>
+              <a:t>Probleemstelling</a:t>
+            </a:r>
+            <a:r>
+              <a:rPr sz="8000" b="1" dirty="0" smtClean="0">
+                <a:solidFill>
+                  <a:srgbClr val="FFFFFF"/>
+                </a:solidFill>
+              </a:rPr>
+              <a:t> </a:t>
+            </a:r>
+            <a:r>
+              <a:rPr sz="8000" b="1" dirty="0">
+                <a:solidFill>
+                  <a:srgbClr val="FFFFFF"/>
+                </a:solidFill>
+              </a:rPr>
+              <a:t>(1)</a:t>
             </a:r>
           </a:p>
         </p:txBody>
@@ -2806,7 +2920,7 @@
         </p:blipFill>
         <p:spPr>
           <a:xfrm>
-            <a:off x="7456208" y="2792372"/>
+            <a:off x="7537449" y="2805072"/>
             <a:ext cx="4521201" cy="1841501"/>
           </a:xfrm>
           <a:prstGeom prst="rect">
@@ -2833,7 +2947,7 @@
         </p:blipFill>
         <p:spPr>
           <a:xfrm>
-            <a:off x="7462558" y="2798722"/>
+            <a:off x="7543799" y="2811422"/>
             <a:ext cx="4508501" cy="1828801"/>
           </a:xfrm>
           <a:prstGeom prst="rect">
@@ -2860,7 +2974,7 @@
         </p:blipFill>
         <p:spPr>
           <a:xfrm>
-            <a:off x="7475258" y="2798722"/>
+            <a:off x="7556499" y="2811422"/>
             <a:ext cx="4483101" cy="1828801"/>
           </a:xfrm>
           <a:prstGeom prst="rect">
@@ -2887,7 +3001,7 @@
         </p:blipFill>
         <p:spPr>
           <a:xfrm>
-            <a:off x="7462558" y="2792372"/>
+            <a:off x="7543799" y="2805072"/>
             <a:ext cx="4508501" cy="1841501"/>
           </a:xfrm>
           <a:prstGeom prst="rect">
@@ -2914,7 +3028,7 @@
         </p:blipFill>
         <p:spPr>
           <a:xfrm>
-            <a:off x="1040091" y="2792372"/>
+            <a:off x="2649257" y="2805072"/>
             <a:ext cx="4826001" cy="1841501"/>
           </a:xfrm>
           <a:prstGeom prst="rect">
@@ -2941,7 +3055,7 @@
         </p:blipFill>
         <p:spPr>
           <a:xfrm>
-            <a:off x="1040091" y="2789608"/>
+            <a:off x="2649257" y="2802308"/>
             <a:ext cx="4826001" cy="1828801"/>
           </a:xfrm>
           <a:prstGeom prst="rect">
@@ -2968,7 +3082,7 @@
         </p:blipFill>
         <p:spPr>
           <a:xfrm>
-            <a:off x="1027391" y="2798722"/>
+            <a:off x="2636557" y="2811422"/>
             <a:ext cx="4851401" cy="1828801"/>
           </a:xfrm>
           <a:prstGeom prst="rect">
@@ -2995,7 +3109,7 @@
         </p:blipFill>
         <p:spPr>
           <a:xfrm>
-            <a:off x="1040091" y="2798722"/>
+            <a:off x="2649257" y="2811422"/>
             <a:ext cx="4826001" cy="1828801"/>
           </a:xfrm>
           <a:prstGeom prst="rect">
@@ -3014,8 +3128,8 @@
         </p:nvSpPr>
         <p:spPr>
           <a:xfrm>
-            <a:off x="958141" y="1913666"/>
-            <a:ext cx="2908936" cy="787401"/>
+            <a:off x="958141" y="1909822"/>
+            <a:ext cx="4071627" cy="795089"/>
           </a:xfrm>
           <a:prstGeom prst="rect">
             <a:avLst/>
@@ -3025,7 +3139,7 @@
           </a:ln>
           <a:extLst>
             <a:ext uri="{C572A759-6A51-4108-AA02-DFA0A04FC94B}">
-              <ma14:wrappingTextBoxFlag xmlns:ma14="http://schemas.microsoft.com/office/mac/drawingml/2011/main" val="1"/>
+              <ma14:wrappingTextBoxFlag xmlns:ma14="http://schemas.microsoft.com/office/mac/drawingml/2011/main" xmlns="" val="1"/>
             </a:ext>
           </a:extLst>
         </p:spPr>
@@ -3050,13 +3164,18 @@
               </a:defRPr>
             </a:pPr>
             <a:r>
-              <a:rPr sz="4500">
-                <a:solidFill>
-                  <a:srgbClr val="FFFFFF"/>
-                </a:solidFill>
-              </a:rPr>
-              <a:t>Observatie</a:t>
-            </a:r>
+              <a:rPr lang="nl-BE" sz="4500" dirty="0" smtClean="0">
+                <a:solidFill>
+                  <a:srgbClr val="FFFFFF"/>
+                </a:solidFill>
+              </a:rPr>
+              <a:t>		Observatie</a:t>
+            </a:r>
+            <a:endParaRPr lang="nl-BE" sz="4500" dirty="0">
+              <a:solidFill>
+                <a:srgbClr val="FFFFFF"/>
+              </a:solidFill>
+            </a:endParaRPr>
           </a:p>
         </p:txBody>
       </p:sp>
@@ -3065,11 +3184,11 @@
   <p:clrMapOvr>
     <a:masterClrMapping/>
   </p:clrMapOvr>
-  <p:transition xmlns:p14="http://schemas.microsoft.com/office/powerpoint/2010/main" spd="med"/>
+  <p:transition spd="med"/>
   <p:timing>
     <p:tnLst>
       <p:par>
-        <p:cTn xmlns:p14="http://schemas.microsoft.com/office/powerpoint/2010/main" id="1" dur="indefinite" restart="never" fill="hold" nodeType="tmRoot">
+        <p:cTn id="1" dur="indefinite" restart="never" fill="hold" nodeType="tmRoot">
           <p:childTnLst>
             <p:seq concurrent="1" prevAc="none" nextAc="seek">
               <p:cTn id="2" dur="indefinite" fill="hold" nodeType="mainSeq">
@@ -3735,12 +3854,20 @@
               </a:defRPr>
             </a:pPr>
             <a:r>
-              <a:rPr sz="8000">
-                <a:solidFill>
-                  <a:srgbClr val="FFFFFF"/>
-                </a:solidFill>
-              </a:rPr>
-              <a:t>Probleemstelling (2)</a:t>
+              <a:rPr sz="8000" b="1" dirty="0" err="1">
+                <a:solidFill>
+                  <a:srgbClr val="FFFFFF"/>
+                </a:solidFill>
+              </a:rPr>
+              <a:t>Probleemstelling</a:t>
+            </a:r>
+            <a:r>
+              <a:rPr sz="8000" b="1" dirty="0">
+                <a:solidFill>
+                  <a:srgbClr val="FFFFFF"/>
+                </a:solidFill>
+              </a:rPr>
+              <a:t> (2)</a:t>
             </a:r>
           </a:p>
         </p:txBody>
@@ -3753,8 +3880,8 @@
         </p:nvSpPr>
         <p:spPr>
           <a:xfrm>
-            <a:off x="952500" y="2497767"/>
-            <a:ext cx="11099800" cy="6485266"/>
+            <a:off x="952500" y="1985703"/>
+            <a:ext cx="11849100" cy="6485266"/>
           </a:xfrm>
           <a:prstGeom prst="rect">
             <a:avLst/>
@@ -3764,7 +3891,7 @@
           </a:ln>
           <a:extLst>
             <a:ext uri="{C572A759-6A51-4108-AA02-DFA0A04FC94B}">
-              <ma14:wrappingTextBoxFlag xmlns:ma14="http://schemas.microsoft.com/office/mac/drawingml/2011/main" val="1"/>
+              <ma14:wrappingTextBoxFlag xmlns:ma14="http://schemas.microsoft.com/office/mac/drawingml/2011/main" xmlns="" val="1"/>
             </a:ext>
           </a:extLst>
         </p:spPr>
@@ -3783,13 +3910,26 @@
               </a:defRPr>
             </a:pPr>
             <a:r>
-              <a:rPr sz="4500" dirty="0">
+              <a:rPr lang="nl-BE" sz="4500" dirty="0" smtClean="0">
+                <a:solidFill>
+                  <a:srgbClr val="FFFFFF"/>
+                </a:solidFill>
+              </a:rPr>
+              <a:t>		</a:t>
+            </a:r>
+            <a:r>
+              <a:rPr sz="4500" dirty="0" err="1" smtClean="0">
                 <a:solidFill>
                   <a:srgbClr val="FFFFFF"/>
                 </a:solidFill>
               </a:rPr>
               <a:t>Hypothese</a:t>
             </a:r>
+            <a:endParaRPr sz="4500" dirty="0">
+              <a:solidFill>
+                <a:srgbClr val="FFFFFF"/>
+              </a:solidFill>
+            </a:endParaRPr>
           </a:p>
           <a:p>
             <a:pPr lvl="1" algn="l">
@@ -3811,12 +3951,28 @@
               <a:t>	</a:t>
             </a:r>
             <a:r>
+              <a:rPr lang="en-US" sz="3800" dirty="0" smtClean="0">
+                <a:solidFill>
+                  <a:srgbClr val="FFFFFF"/>
+                </a:solidFill>
+              </a:rPr>
+              <a:t>		</a:t>
+            </a:r>
+            <a:r>
+              <a:rPr lang="nl-BE" sz="3800" dirty="0" smtClean="0">
+                <a:solidFill>
+                  <a:srgbClr val="FFFFFF"/>
+                </a:solidFill>
+              </a:rPr>
+              <a:t>Me</a:t>
+            </a:r>
+            <a:r>
               <a:rPr sz="3800" dirty="0" smtClean="0">
                 <a:solidFill>
                   <a:srgbClr val="FFFFFF"/>
                 </a:solidFill>
               </a:rPr>
-              <a:t>Het </a:t>
+              <a:t>t </a:t>
             </a:r>
             <a:r>
               <a:rPr sz="3800" dirty="0" err="1">
@@ -3843,6 +3999,14 @@
               <a:t>	</a:t>
             </a:r>
             <a:r>
+              <a:rPr lang="en-US" sz="3800" dirty="0" smtClean="0">
+                <a:solidFill>
+                  <a:srgbClr val="FFFFFF"/>
+                </a:solidFill>
+              </a:rPr>
+              <a:t>				</a:t>
+            </a:r>
+            <a:r>
               <a:rPr sz="3800" dirty="0" err="1" smtClean="0">
                 <a:solidFill>
                   <a:srgbClr val="FFFFFF"/>
@@ -3859,12 +4023,20 @@
               <a:t> </a:t>
             </a:r>
             <a:r>
+              <a:rPr sz="3800" dirty="0">
+                <a:solidFill>
+                  <a:srgbClr val="FFFFFF"/>
+                </a:solidFill>
+              </a:rPr>
+              <a:t>om Flash Fill </a:t>
+            </a:r>
+            <a:r>
               <a:rPr sz="3800" dirty="0" err="1">
                 <a:solidFill>
                   <a:srgbClr val="FFFFFF"/>
                 </a:solidFill>
               </a:rPr>
-              <a:t>om</a:t>
+              <a:t>voor</a:t>
             </a:r>
             <a:r>
               <a:rPr sz="3800" dirty="0">
@@ -3872,7 +4044,7 @@
                   <a:srgbClr val="FFFFFF"/>
                 </a:solidFill>
               </a:rPr>
-              <a:t> Flash Fill </a:t>
+              <a:t> </a:t>
             </a:r>
             <a:r>
               <a:rPr sz="3800" dirty="0" err="1">
@@ -3880,7 +4052,7 @@
                   <a:srgbClr val="FFFFFF"/>
                 </a:solidFill>
               </a:rPr>
-              <a:t>voor</a:t>
+              <a:t>getallen</a:t>
             </a:r>
             <a:r>
               <a:rPr sz="3800" dirty="0">
@@ -3896,7 +4068,7 @@
                   <a:srgbClr val="FFFFFF"/>
                 </a:solidFill>
               </a:rPr>
-              <a:t>getallen</a:t>
+              <a:t>te</a:t>
             </a:r>
             <a:r>
               <a:rPr sz="3800" dirty="0">
@@ -3907,23 +4079,15 @@
               <a:t> </a:t>
             </a:r>
             <a:r>
-              <a:rPr sz="3800" dirty="0" err="1">
-                <a:solidFill>
-                  <a:srgbClr val="FFFFFF"/>
-                </a:solidFill>
-              </a:rPr>
-              <a:t>te</a:t>
-            </a:r>
-            <a:r>
-              <a:rPr sz="3800" dirty="0">
-                <a:solidFill>
-                  <a:srgbClr val="FFFFFF"/>
-                </a:solidFill>
-              </a:rPr>
-              <a:t> </a:t>
-            </a:r>
-            <a:r>
-              <a:rPr sz="3800" dirty="0" err="1">
+              <a:rPr lang="nl-BE" sz="3800" dirty="0" smtClean="0">
+                <a:solidFill>
+                  <a:srgbClr val="FFFFFF"/>
+                </a:solidFill>
+              </a:rPr>
+              <a:t>						</a:t>
+            </a:r>
+            <a:r>
+              <a:rPr sz="3800" dirty="0" err="1" smtClean="0">
                 <a:solidFill>
                   <a:srgbClr val="FFFFFF"/>
                 </a:solidFill>
@@ -3951,13 +4115,26 @@
               </a:defRPr>
             </a:pPr>
             <a:r>
-              <a:rPr sz="4500" dirty="0">
+              <a:rPr lang="nl-BE" sz="4500" dirty="0" smtClean="0">
+                <a:solidFill>
+                  <a:srgbClr val="FFFFFF"/>
+                </a:solidFill>
+              </a:rPr>
+              <a:t>		</a:t>
+            </a:r>
+            <a:r>
+              <a:rPr sz="4500" dirty="0" err="1" smtClean="0">
                 <a:solidFill>
                   <a:srgbClr val="FFFFFF"/>
                 </a:solidFill>
               </a:rPr>
               <a:t>Bewijs</a:t>
             </a:r>
+            <a:endParaRPr sz="4500" dirty="0">
+              <a:solidFill>
+                <a:srgbClr val="FFFFFF"/>
+              </a:solidFill>
+            </a:endParaRPr>
           </a:p>
           <a:p>
             <a:pPr lvl="1" algn="l">
@@ -3979,6 +4156,14 @@
               <a:t>	</a:t>
             </a:r>
             <a:r>
+              <a:rPr lang="en-US" sz="3800" dirty="0" smtClean="0">
+                <a:solidFill>
+                  <a:srgbClr val="FFFFFF"/>
+                </a:solidFill>
+              </a:rPr>
+              <a:t>		</a:t>
+            </a:r>
+            <a:r>
               <a:rPr sz="3800" dirty="0" smtClean="0">
                 <a:solidFill>
                   <a:srgbClr val="FFFFFF"/>
@@ -4017,6 +4202,14 @@
                 </a:solidFill>
               </a:rPr>
               <a:t>	</a:t>
+            </a:r>
+            <a:r>
+              <a:rPr lang="en-US" sz="3800" dirty="0" smtClean="0">
+                <a:solidFill>
+                  <a:srgbClr val="FFFFFF"/>
+                </a:solidFill>
+              </a:rPr>
+              <a:t>					</a:t>
             </a:r>
             <a:r>
               <a:rPr sz="3800" dirty="0" smtClean="0">
@@ -4047,13 +4240,26 @@
               </a:defRPr>
             </a:pPr>
             <a:r>
-              <a:rPr sz="4500" dirty="0">
+              <a:rPr lang="nl-BE" sz="4500" dirty="0" smtClean="0">
+                <a:solidFill>
+                  <a:srgbClr val="FFFFFF"/>
+                </a:solidFill>
+              </a:rPr>
+              <a:t>		</a:t>
+            </a:r>
+            <a:r>
+              <a:rPr sz="4500" dirty="0" err="1" smtClean="0">
                 <a:solidFill>
                   <a:srgbClr val="FFFFFF"/>
                 </a:solidFill>
               </a:rPr>
               <a:t>Vereisten</a:t>
             </a:r>
+            <a:endParaRPr sz="4500" dirty="0">
+              <a:solidFill>
+                <a:srgbClr val="FFFFFF"/>
+              </a:solidFill>
+            </a:endParaRPr>
           </a:p>
           <a:p>
             <a:pPr lvl="1" algn="l">
@@ -4075,6 +4281,14 @@
               <a:t>	</a:t>
             </a:r>
             <a:r>
+              <a:rPr lang="en-US" sz="3800" dirty="0" smtClean="0">
+                <a:solidFill>
+                  <a:srgbClr val="FFFFFF"/>
+                </a:solidFill>
+              </a:rPr>
+              <a:t>		</a:t>
+            </a:r>
+            <a:r>
               <a:rPr sz="3800" dirty="0" err="1" smtClean="0">
                 <a:solidFill>
                   <a:srgbClr val="FFFFFF"/>
@@ -4096,8 +4310,61 @@
                   <a:srgbClr val="FFFFFF"/>
                 </a:solidFill>
               </a:rPr>
-              <a:t>(Snel, #vb’en beperkt en geheugen)</a:t>
-            </a:r>
+              <a:t>(Snel, #</a:t>
+            </a:r>
+            <a:r>
+              <a:rPr sz="3800" dirty="0" err="1" smtClean="0">
+                <a:solidFill>
+                  <a:srgbClr val="FFFFFF"/>
+                </a:solidFill>
+              </a:rPr>
+              <a:t>vb’en</a:t>
+            </a:r>
+            <a:r>
+              <a:rPr lang="nl-BE" sz="3800" dirty="0" smtClean="0">
+                <a:solidFill>
+                  <a:srgbClr val="FFFFFF"/>
+                </a:solidFill>
+              </a:rPr>
+              <a:t> </a:t>
+            </a:r>
+            <a:r>
+              <a:rPr lang="nl-BE" sz="3800" smtClean="0">
+                <a:solidFill>
+                  <a:srgbClr val="FFFFFF"/>
+                </a:solidFill>
+              </a:rPr>
+              <a:t>&amp; geheugen</a:t>
+            </a:r>
+            <a:r>
+              <a:rPr sz="3800" smtClean="0">
+                <a:solidFill>
+                  <a:srgbClr val="FFFFFF"/>
+                </a:solidFill>
+              </a:rPr>
+              <a:t> </a:t>
+            </a:r>
+            <a:r>
+              <a:rPr sz="3800" dirty="0" err="1" smtClean="0">
+                <a:solidFill>
+                  <a:srgbClr val="FFFFFF"/>
+                </a:solidFill>
+              </a:rPr>
+              <a:t>beperkt</a:t>
+            </a:r>
+            <a:r>
+              <a:rPr lang="nl-BE" sz="3800" dirty="0" smtClean="0">
+                <a:solidFill>
+                  <a:srgbClr val="FFFFFF"/>
+                </a:solidFill>
+              </a:rPr>
+              <a:t>)</a:t>
+            </a:r>
+            <a:endParaRPr sz="3800" dirty="0">
+              <a:solidFill>
+                <a:srgbClr val="FFFFFF"/>
+              </a:solidFill>
+            </a:endParaRPr>
           </a:p>
         </p:txBody>
       </p:sp>
@@ -4106,11 +4373,11 @@
   <p:clrMapOvr>
     <a:masterClrMapping/>
   </p:clrMapOvr>
-  <p:transition xmlns:p14="http://schemas.microsoft.com/office/powerpoint/2010/main" spd="med"/>
+  <p:transition spd="med"/>
   <p:timing>
     <p:tnLst>
       <p:par>
-        <p:cTn xmlns:p14="http://schemas.microsoft.com/office/powerpoint/2010/main" id="1" dur="indefinite" restart="never" fill="hold" nodeType="tmRoot">
+        <p:cTn id="1" dur="indefinite" restart="never" fill="hold" nodeType="tmRoot">
           <p:childTnLst>
             <p:seq concurrent="1" prevAc="none" nextAc="seek">
               <p:cTn id="2" dur="indefinite" fill="hold" nodeType="mainSeq">
@@ -4449,13 +4716,34 @@
               </a:defRPr>
             </a:pPr>
             <a:r>
-              <a:rPr sz="8000">
-                <a:solidFill>
-                  <a:srgbClr val="FFFFFF"/>
-                </a:solidFill>
-              </a:rPr>
-              <a:t>Onze aanpak</a:t>
-            </a:r>
+              <a:rPr sz="8000" b="1" dirty="0" err="1">
+                <a:solidFill>
+                  <a:srgbClr val="FFFFFF"/>
+                </a:solidFill>
+              </a:rPr>
+              <a:t>Onze</a:t>
+            </a:r>
+            <a:r>
+              <a:rPr sz="8000" b="1" dirty="0">
+                <a:solidFill>
+                  <a:srgbClr val="FFFFFF"/>
+                </a:solidFill>
+              </a:rPr>
+              <a:t> </a:t>
+            </a:r>
+            <a:r>
+              <a:rPr sz="8000" b="1" dirty="0" err="1">
+                <a:solidFill>
+                  <a:srgbClr val="FFFFFF"/>
+                </a:solidFill>
+              </a:rPr>
+              <a:t>aanpak</a:t>
+            </a:r>
+            <a:endParaRPr sz="8000" b="1" dirty="0">
+              <a:solidFill>
+                <a:srgbClr val="FFFFFF"/>
+              </a:solidFill>
+            </a:endParaRPr>
           </a:p>
         </p:txBody>
       </p:sp>
@@ -4495,12 +4783,20 @@
               </a:defRPr>
             </a:pPr>
             <a:r>
-              <a:rPr sz="4500">
-                <a:solidFill>
-                  <a:srgbClr val="FFFFFF"/>
-                </a:solidFill>
-              </a:rPr>
-              <a:t>Deel I</a:t>
+              <a:rPr sz="4500" dirty="0" err="1">
+                <a:solidFill>
+                  <a:srgbClr val="FFFFFF"/>
+                </a:solidFill>
+              </a:rPr>
+              <a:t>Deel</a:t>
+            </a:r>
+            <a:r>
+              <a:rPr sz="4500" dirty="0">
+                <a:solidFill>
+                  <a:srgbClr val="FFFFFF"/>
+                </a:solidFill>
+              </a:rPr>
+              <a:t> I</a:t>
             </a:r>
           </a:p>
           <a:p>
@@ -4515,13 +4811,34 @@
               </a:defRPr>
             </a:pPr>
             <a:r>
-              <a:rPr sz="3800">
-                <a:solidFill>
-                  <a:srgbClr val="FFFFFF"/>
-                </a:solidFill>
-              </a:rPr>
-              <a:t>Contextvrije grammatica</a:t>
-            </a:r>
+              <a:rPr sz="3800" dirty="0" err="1">
+                <a:solidFill>
+                  <a:srgbClr val="FFFFFF"/>
+                </a:solidFill>
+              </a:rPr>
+              <a:t>Contextvrije</a:t>
+            </a:r>
+            <a:r>
+              <a:rPr sz="3800" dirty="0">
+                <a:solidFill>
+                  <a:srgbClr val="FFFFFF"/>
+                </a:solidFill>
+              </a:rPr>
+              <a:t> </a:t>
+            </a:r>
+            <a:r>
+              <a:rPr sz="3800" dirty="0" err="1">
+                <a:solidFill>
+                  <a:srgbClr val="FFFFFF"/>
+                </a:solidFill>
+              </a:rPr>
+              <a:t>grammatica</a:t>
+            </a:r>
+            <a:endParaRPr sz="3800" dirty="0">
+              <a:solidFill>
+                <a:srgbClr val="FFFFFF"/>
+              </a:solidFill>
+            </a:endParaRPr>
           </a:p>
           <a:p>
             <a:pPr marL="444500" lvl="0" indent="-444500">
@@ -4535,12 +4852,36 @@
               </a:defRPr>
             </a:pPr>
             <a:r>
-              <a:rPr sz="3800">
-                <a:solidFill>
-                  <a:srgbClr val="FFFFFF"/>
-                </a:solidFill>
-              </a:rPr>
-              <a:t>Opstellen van een boom</a:t>
+              <a:rPr sz="3800" dirty="0" err="1">
+                <a:solidFill>
+                  <a:srgbClr val="FFFFFF"/>
+                </a:solidFill>
+              </a:rPr>
+              <a:t>Opstellen</a:t>
+            </a:r>
+            <a:r>
+              <a:rPr sz="3800" dirty="0">
+                <a:solidFill>
+                  <a:srgbClr val="FFFFFF"/>
+                </a:solidFill>
+              </a:rPr>
+              <a:t> van </a:t>
+            </a:r>
+            <a:r>
+              <a:rPr sz="3800" dirty="0" err="1">
+                <a:solidFill>
+                  <a:srgbClr val="FFFFFF"/>
+                </a:solidFill>
+              </a:rPr>
+              <a:t>een</a:t>
+            </a:r>
+            <a:r>
+              <a:rPr sz="3800" dirty="0">
+                <a:solidFill>
+                  <a:srgbClr val="FFFFFF"/>
+                </a:solidFill>
+              </a:rPr>
+              <a:t> boom</a:t>
             </a:r>
           </a:p>
           <a:p>
@@ -4555,13 +4896,26 @@
               </a:defRPr>
             </a:pPr>
             <a:r>
-              <a:rPr sz="3800">
-                <a:solidFill>
-                  <a:srgbClr val="FFFFFF"/>
-                </a:solidFill>
-              </a:rPr>
-              <a:t>Pruning op equivalenties</a:t>
-            </a:r>
+              <a:rPr sz="3800" dirty="0">
+                <a:solidFill>
+                  <a:srgbClr val="FFFFFF"/>
+                </a:solidFill>
+              </a:rPr>
+              <a:t>Pruning op </a:t>
+            </a:r>
+            <a:r>
+              <a:rPr sz="3800" dirty="0" err="1">
+                <a:solidFill>
+                  <a:srgbClr val="FFFFFF"/>
+                </a:solidFill>
+              </a:rPr>
+              <a:t>equivalenties</a:t>
+            </a:r>
+            <a:endParaRPr sz="3800" dirty="0">
+              <a:solidFill>
+                <a:srgbClr val="FFFFFF"/>
+              </a:solidFill>
+            </a:endParaRPr>
           </a:p>
         </p:txBody>
       </p:sp>
@@ -4584,7 +4938,7 @@
           </a:ln>
           <a:extLst>
             <a:ext uri="{C572A759-6A51-4108-AA02-DFA0A04FC94B}">
-              <ma14:wrappingTextBoxFlag xmlns:ma14="http://schemas.microsoft.com/office/mac/drawingml/2011/main" val="1"/>
+              <ma14:wrappingTextBoxFlag xmlns:ma14="http://schemas.microsoft.com/office/mac/drawingml/2011/main" xmlns="" val="1"/>
             </a:ext>
           </a:extLst>
         </p:spPr>
@@ -4605,12 +4959,20 @@
               </a:defRPr>
             </a:pPr>
             <a:r>
-              <a:rPr sz="4500">
-                <a:solidFill>
-                  <a:srgbClr val="FFFFFF"/>
-                </a:solidFill>
-              </a:rPr>
-              <a:t>Deel II</a:t>
+              <a:rPr sz="4500" dirty="0" err="1">
+                <a:solidFill>
+                  <a:srgbClr val="FFFFFF"/>
+                </a:solidFill>
+              </a:rPr>
+              <a:t>Deel</a:t>
+            </a:r>
+            <a:r>
+              <a:rPr sz="4500" dirty="0">
+                <a:solidFill>
+                  <a:srgbClr val="FFFFFF"/>
+                </a:solidFill>
+              </a:rPr>
+              <a:t> II</a:t>
             </a:r>
           </a:p>
           <a:p>
@@ -4627,13 +4989,34 @@
               </a:defRPr>
             </a:pPr>
             <a:r>
-              <a:rPr sz="3800">
-                <a:solidFill>
-                  <a:srgbClr val="FFFFFF"/>
-                </a:solidFill>
-              </a:rPr>
-              <a:t>Niveau bepalen</a:t>
-            </a:r>
+              <a:rPr sz="3800" dirty="0" err="1">
+                <a:solidFill>
+                  <a:srgbClr val="FFFFFF"/>
+                </a:solidFill>
+              </a:rPr>
+              <a:t>Niveau</a:t>
+            </a:r>
+            <a:r>
+              <a:rPr sz="3800" dirty="0">
+                <a:solidFill>
+                  <a:srgbClr val="FFFFFF"/>
+                </a:solidFill>
+              </a:rPr>
+              <a:t> </a:t>
+            </a:r>
+            <a:r>
+              <a:rPr sz="3800" dirty="0" err="1">
+                <a:solidFill>
+                  <a:srgbClr val="FFFFFF"/>
+                </a:solidFill>
+              </a:rPr>
+              <a:t>bepalen</a:t>
+            </a:r>
+            <a:endParaRPr sz="3800" dirty="0">
+              <a:solidFill>
+                <a:srgbClr val="FFFFFF"/>
+              </a:solidFill>
+            </a:endParaRPr>
           </a:p>
           <a:p>
             <a:pPr marL="444500" lvl="0" indent="-444500" algn="l">
@@ -4649,13 +5032,34 @@
               </a:defRPr>
             </a:pPr>
             <a:r>
-              <a:rPr sz="3800">
-                <a:solidFill>
-                  <a:srgbClr val="FFFFFF"/>
-                </a:solidFill>
-              </a:rPr>
-              <a:t>Invullen van de variabelen</a:t>
-            </a:r>
+              <a:rPr sz="3800" dirty="0" err="1">
+                <a:solidFill>
+                  <a:srgbClr val="FFFFFF"/>
+                </a:solidFill>
+              </a:rPr>
+              <a:t>Invullen</a:t>
+            </a:r>
+            <a:r>
+              <a:rPr sz="3800" dirty="0">
+                <a:solidFill>
+                  <a:srgbClr val="FFFFFF"/>
+                </a:solidFill>
+              </a:rPr>
+              <a:t> van de </a:t>
+            </a:r>
+            <a:r>
+              <a:rPr sz="3800" dirty="0" err="1">
+                <a:solidFill>
+                  <a:srgbClr val="FFFFFF"/>
+                </a:solidFill>
+              </a:rPr>
+              <a:t>variabelen</a:t>
+            </a:r>
+            <a:endParaRPr sz="3800" dirty="0">
+              <a:solidFill>
+                <a:srgbClr val="FFFFFF"/>
+              </a:solidFill>
+            </a:endParaRPr>
           </a:p>
           <a:p>
             <a:pPr marL="444500" lvl="0" indent="-444500" algn="l">
@@ -4671,13 +5075,18 @@
               </a:defRPr>
             </a:pPr>
             <a:r>
-              <a:rPr sz="3800">
+              <a:rPr sz="3800" dirty="0" err="1">
                 <a:solidFill>
                   <a:srgbClr val="FFFFFF"/>
                 </a:solidFill>
               </a:rPr>
               <a:t>Rangschikken</a:t>
             </a:r>
+            <a:endParaRPr sz="3800" dirty="0">
+              <a:solidFill>
+                <a:srgbClr val="FFFFFF"/>
+              </a:solidFill>
+            </a:endParaRPr>
           </a:p>
           <a:p>
             <a:pPr marL="444500" lvl="0" indent="-444500" algn="l">
@@ -4693,13 +5102,50 @@
               </a:defRPr>
             </a:pPr>
             <a:r>
-              <a:rPr sz="3800">
-                <a:solidFill>
-                  <a:srgbClr val="FFFFFF"/>
-                </a:solidFill>
-              </a:rPr>
-              <a:t>Verbeteren met volgende voorbeeld</a:t>
-            </a:r>
+              <a:rPr sz="3800" dirty="0" err="1">
+                <a:solidFill>
+                  <a:srgbClr val="FFFFFF"/>
+                </a:solidFill>
+              </a:rPr>
+              <a:t>Verbeteren</a:t>
+            </a:r>
+            <a:r>
+              <a:rPr sz="3800" dirty="0">
+                <a:solidFill>
+                  <a:srgbClr val="FFFFFF"/>
+                </a:solidFill>
+              </a:rPr>
+              <a:t> met </a:t>
+            </a:r>
+            <a:r>
+              <a:rPr sz="3800" dirty="0" err="1">
+                <a:solidFill>
+                  <a:srgbClr val="FFFFFF"/>
+                </a:solidFill>
+              </a:rPr>
+              <a:t>volgende</a:t>
+            </a:r>
+            <a:r>
+              <a:rPr sz="3800" dirty="0">
+                <a:solidFill>
+                  <a:srgbClr val="FFFFFF"/>
+                </a:solidFill>
+              </a:rPr>
+              <a:t> </a:t>
+            </a:r>
+            <a:r>
+              <a:rPr sz="3800" dirty="0" err="1">
+                <a:solidFill>
+                  <a:srgbClr val="FFFFFF"/>
+                </a:solidFill>
+              </a:rPr>
+              <a:t>voorbeeld</a:t>
+            </a:r>
+            <a:endParaRPr sz="3800" dirty="0">
+              <a:solidFill>
+                <a:srgbClr val="FFFFFF"/>
+              </a:solidFill>
+            </a:endParaRPr>
           </a:p>
         </p:txBody>
       </p:sp>
@@ -4708,11 +5154,11 @@
   <p:clrMapOvr>
     <a:masterClrMapping/>
   </p:clrMapOvr>
-  <p:transition xmlns:p14="http://schemas.microsoft.com/office/powerpoint/2010/main" spd="med"/>
+  <p:transition spd="med"/>
   <p:timing>
     <p:tnLst>
       <p:par>
-        <p:cTn xmlns:p14="http://schemas.microsoft.com/office/powerpoint/2010/main" id="1" dur="indefinite" restart="never" fill="hold" nodeType="tmRoot">
+        <p:cTn id="1" dur="indefinite" restart="never" fill="hold" nodeType="tmRoot">
           <p:childTnLst>
             <p:seq concurrent="1" prevAc="none" nextAc="seek">
               <p:cTn id="2" dur="indefinite" fill="hold" nodeType="mainSeq">
@@ -6054,11 +6500,11 @@
   <p:clrMapOvr>
     <a:masterClrMapping/>
   </p:clrMapOvr>
-  <p:transition xmlns:p14="http://schemas.microsoft.com/office/powerpoint/2010/main" spd="med"/>
+  <p:transition spd="med"/>
   <p:timing>
     <p:tnLst>
       <p:par>
-        <p:cTn xmlns:p14="http://schemas.microsoft.com/office/powerpoint/2010/main" id="1" dur="indefinite" restart="never" fill="hold" nodeType="tmRoot">
+        <p:cTn id="1" dur="indefinite" restart="never" fill="hold" nodeType="tmRoot">
           <p:childTnLst>
             <p:seq concurrent="1" prevAc="none" nextAc="seek">
               <p:cTn id="2" dur="indefinite" fill="hold" nodeType="mainSeq">

--- a/Probleemstelling/Presentatie/ProbleemstellingV3.pptx
+++ b/Probleemstelling/Presentatie/ProbleemstellingV3.pptx
@@ -1769,7 +1769,7 @@
           </a:ln>
           <a:extLst>
             <a:ext uri="{C572A759-6A51-4108-AA02-DFA0A04FC94B}">
-              <ma14:wrappingTextBoxFlag xmlns:ma14="http://schemas.microsoft.com/office/mac/drawingml/2011/main" xmlns="" val="1"/>
+              <ma14:wrappingTextBoxFlag xmlns="" xmlns:ma14="http://schemas.microsoft.com/office/mac/drawingml/2011/main" val="1"/>
             </a:ext>
           </a:extLst>
         </p:spPr>
@@ -1820,7 +1820,7 @@
           </a:ln>
           <a:extLst>
             <a:ext uri="{C572A759-6A51-4108-AA02-DFA0A04FC94B}">
-              <ma14:wrappingTextBoxFlag xmlns:ma14="http://schemas.microsoft.com/office/mac/drawingml/2011/main" xmlns="" val="1"/>
+              <ma14:wrappingTextBoxFlag xmlns="" xmlns:ma14="http://schemas.microsoft.com/office/mac/drawingml/2011/main" val="1"/>
             </a:ext>
           </a:extLst>
         </p:spPr>
@@ -2429,7 +2429,7 @@
           </a:ln>
           <a:extLst>
             <a:ext uri="{C572A759-6A51-4108-AA02-DFA0A04FC94B}">
-              <ma14:wrappingTextBoxFlag xmlns:ma14="http://schemas.microsoft.com/office/mac/drawingml/2011/main" xmlns="" val="1"/>
+              <ma14:wrappingTextBoxFlag xmlns="" xmlns:ma14="http://schemas.microsoft.com/office/mac/drawingml/2011/main" val="1"/>
             </a:ext>
           </a:extLst>
         </p:spPr>
@@ -2452,15 +2452,7 @@
                   <a:srgbClr val="FFFFFF"/>
                 </a:solidFill>
               </a:rPr>
-              <a:t>Jeroen</a:t>
-            </a:r>
-            <a:r>
-              <a:rPr sz="3600" dirty="0">
-                <a:solidFill>
-                  <a:srgbClr val="FFFFFF"/>
-                </a:solidFill>
-              </a:rPr>
-              <a:t> Craps &amp; Tom De Groote</a:t>
+              <a:t>Jeroen Craps &amp; Tom De Groote</a:t>
             </a:r>
           </a:p>
         </p:txBody>
@@ -2517,7 +2509,7 @@
           </a:ln>
           <a:extLst>
             <a:ext uri="{C572A759-6A51-4108-AA02-DFA0A04FC94B}">
-              <ma14:wrappingTextBoxFlag xmlns:ma14="http://schemas.microsoft.com/office/mac/drawingml/2011/main" xmlns="" val="1"/>
+              <ma14:wrappingTextBoxFlag xmlns="" xmlns:ma14="http://schemas.microsoft.com/office/mac/drawingml/2011/main" val="1"/>
             </a:ext>
           </a:extLst>
         </p:spPr>
@@ -2541,8 +2533,21 @@
                   <a:srgbClr val="FFFFFF"/>
                 </a:solidFill>
               </a:rPr>
-              <a:t>		Vraagstelling</a:t>
-            </a:r>
+              <a:t>	</a:t>
+            </a:r>
+            <a:r>
+              <a:rPr lang="nl-BE" sz="4500" dirty="0" smtClean="0">
+                <a:solidFill>
+                  <a:srgbClr val="FFFFFF"/>
+                </a:solidFill>
+              </a:rPr>
+              <a:t>Vraagstelling</a:t>
+            </a:r>
+            <a:endParaRPr lang="nl-BE" sz="4500" dirty="0" smtClean="0">
+              <a:solidFill>
+                <a:srgbClr val="FFFFFF"/>
+              </a:solidFill>
+            </a:endParaRPr>
           </a:p>
           <a:p>
             <a:pPr lvl="1" algn="l">
@@ -2568,16 +2573,20 @@
               <a:t>	</a:t>
             </a:r>
             <a:r>
-              <a:rPr lang="en-US" sz="3800" dirty="0" smtClean="0"/>
-              <a:t>	</a:t>
-            </a:r>
-            <a:r>
               <a:rPr sz="3800" dirty="0" smtClean="0">
                 <a:solidFill>
                   <a:srgbClr val="FFFFFF"/>
                 </a:solidFill>
               </a:rPr>
-              <a:t>Is het </a:t>
+              <a:t>Is </a:t>
+            </a:r>
+            <a:r>
+              <a:rPr sz="3800" dirty="0" smtClean="0">
+                <a:solidFill>
+                  <a:srgbClr val="FFFFFF"/>
+                </a:solidFill>
+              </a:rPr>
+              <a:t>het </a:t>
             </a:r>
             <a:r>
               <a:rPr lang="nl-BE" sz="3800" dirty="0" smtClean="0">
@@ -2593,39 +2602,7 @@
                   <a:srgbClr val="FFFFFF"/>
                 </a:solidFill>
               </a:rPr>
-              <a:t> om Flash Fill </a:t>
-            </a:r>
-            <a:r>
-              <a:rPr sz="3800" dirty="0" smtClean="0">
-                <a:solidFill>
-                  <a:srgbClr val="FFFFFF"/>
-                </a:solidFill>
-              </a:rPr>
-              <a:t>te</a:t>
-            </a:r>
-            <a:r>
-              <a:rPr sz="3800" dirty="0" smtClean="0">
-                <a:solidFill>
-                  <a:srgbClr val="FFFFFF"/>
-                </a:solidFill>
-              </a:rPr>
-              <a:t> </a:t>
-            </a:r>
-            <a:r>
-              <a:rPr sz="3800" dirty="0" smtClean="0">
-                <a:solidFill>
-                  <a:srgbClr val="FFFFFF"/>
-                </a:solidFill>
-              </a:rPr>
-              <a:t>schrijven</a:t>
-            </a:r>
-            <a:r>
-              <a:rPr sz="3800" dirty="0" smtClean="0">
-                <a:solidFill>
-                  <a:srgbClr val="FFFFFF"/>
-                </a:solidFill>
-              </a:rPr>
-              <a:t> </a:t>
+              <a:t> om Flash Fill te schrijven </a:t>
             </a:r>
             <a:r>
               <a:rPr lang="nl-BE" sz="3800" dirty="0" smtClean="0">
@@ -2633,10 +2610,10 @@
                   <a:srgbClr val="FFFFFF"/>
                 </a:solidFill>
               </a:rPr>
-              <a:t>                                           			</a:t>
-            </a:r>
-            <a:r>
-              <a:rPr sz="3800" dirty="0" smtClean="0">
+              <a:t>                                           		</a:t>
+            </a:r>
+            <a:r>
+              <a:rPr sz="3800" dirty="0" err="1" smtClean="0">
                 <a:solidFill>
                   <a:srgbClr val="FFFFFF"/>
                 </a:solidFill>
@@ -2685,7 +2662,15 @@
                   <a:srgbClr val="FFFFFF"/>
                 </a:solidFill>
               </a:rPr>
-              <a:t>		Waarom</a:t>
+              <a:t>	</a:t>
+            </a:r>
+            <a:r>
+              <a:rPr lang="nl-BE" sz="4500" dirty="0" smtClean="0">
+                <a:solidFill>
+                  <a:srgbClr val="FFFFFF"/>
+                </a:solidFill>
+              </a:rPr>
+              <a:t>Waarom</a:t>
             </a:r>
             <a:r>
               <a:rPr sz="4500" dirty="0" smtClean="0">
@@ -2718,14 +2703,6 @@
                   <a:srgbClr val="FFFFFF"/>
                 </a:solidFill>
               </a:rPr>
-              <a:t>	</a:t>
-            </a:r>
-            <a:r>
-              <a:rPr lang="en-US" sz="3800" dirty="0" smtClean="0">
-                <a:solidFill>
-                  <a:srgbClr val="FFFFFF"/>
-                </a:solidFill>
-              </a:rPr>
               <a:t>		</a:t>
             </a:r>
             <a:r>
@@ -2742,23 +2719,7 @@
                   <a:srgbClr val="FFFFFF"/>
                 </a:solidFill>
               </a:rPr>
-              <a:t>bepalen van een geschikte </a:t>
-            </a:r>
-            <a:r>
-              <a:rPr sz="3800" dirty="0">
-                <a:solidFill>
-                  <a:srgbClr val="FFFFFF"/>
-                </a:solidFill>
-              </a:rPr>
-              <a:t>vergelijking</a:t>
-            </a:r>
-            <a:r>
-              <a:rPr sz="3800" dirty="0">
-                <a:solidFill>
-                  <a:srgbClr val="FFFFFF"/>
-                </a:solidFill>
-              </a:rPr>
-              <a:t> </a:t>
+              <a:t>bepalen van een geschikte vergelijking </a:t>
             </a:r>
             <a:r>
               <a:rPr lang="nl-BE" sz="3800" dirty="0" smtClean="0">
@@ -2870,7 +2831,7 @@
           <a:bodyPr/>
           <a:lstStyle/>
           <a:p>
-            <a:pPr lvl="0">
+            <a:pPr lvl="0" algn="l">
               <a:defRPr sz="1800">
                 <a:solidFill>
                   <a:srgbClr val="000000"/>
@@ -2920,7 +2881,7 @@
         </p:blipFill>
         <p:spPr>
           <a:xfrm>
-            <a:off x="7537449" y="2805072"/>
+            <a:off x="6915054" y="2814186"/>
             <a:ext cx="4521201" cy="1841501"/>
           </a:xfrm>
           <a:prstGeom prst="rect">
@@ -2947,7 +2908,7 @@
         </p:blipFill>
         <p:spPr>
           <a:xfrm>
-            <a:off x="7543799" y="2811422"/>
+            <a:off x="6921404" y="2820536"/>
             <a:ext cx="4508501" cy="1828801"/>
           </a:xfrm>
           <a:prstGeom prst="rect">
@@ -2974,7 +2935,7 @@
         </p:blipFill>
         <p:spPr>
           <a:xfrm>
-            <a:off x="7556499" y="2811422"/>
+            <a:off x="6934104" y="2820536"/>
             <a:ext cx="4483101" cy="1828801"/>
           </a:xfrm>
           <a:prstGeom prst="rect">
@@ -3001,7 +2962,7 @@
         </p:blipFill>
         <p:spPr>
           <a:xfrm>
-            <a:off x="7543799" y="2805072"/>
+            <a:off x="6921404" y="2814186"/>
             <a:ext cx="4508501" cy="1841501"/>
           </a:xfrm>
           <a:prstGeom prst="rect">
@@ -3028,7 +2989,7 @@
         </p:blipFill>
         <p:spPr>
           <a:xfrm>
-            <a:off x="2649257" y="2805072"/>
+            <a:off x="2026862" y="2814186"/>
             <a:ext cx="4826001" cy="1841501"/>
           </a:xfrm>
           <a:prstGeom prst="rect">
@@ -3055,7 +3016,7 @@
         </p:blipFill>
         <p:spPr>
           <a:xfrm>
-            <a:off x="2649257" y="2802308"/>
+            <a:off x="2026862" y="2811422"/>
             <a:ext cx="4826001" cy="1828801"/>
           </a:xfrm>
           <a:prstGeom prst="rect">
@@ -3082,7 +3043,7 @@
         </p:blipFill>
         <p:spPr>
           <a:xfrm>
-            <a:off x="2636557" y="2811422"/>
+            <a:off x="2014162" y="2820536"/>
             <a:ext cx="4851401" cy="1828801"/>
           </a:xfrm>
           <a:prstGeom prst="rect">
@@ -3109,7 +3070,7 @@
         </p:blipFill>
         <p:spPr>
           <a:xfrm>
-            <a:off x="2649257" y="2811422"/>
+            <a:off x="2026862" y="2820536"/>
             <a:ext cx="4826001" cy="1828801"/>
           </a:xfrm>
           <a:prstGeom prst="rect">
@@ -3129,7 +3090,7 @@
         <p:spPr>
           <a:xfrm>
             <a:off x="958141" y="1909822"/>
-            <a:ext cx="4071627" cy="795089"/>
+            <a:ext cx="3481722" cy="795089"/>
           </a:xfrm>
           <a:prstGeom prst="rect">
             <a:avLst/>
@@ -3139,7 +3100,7 @@
           </a:ln>
           <a:extLst>
             <a:ext uri="{C572A759-6A51-4108-AA02-DFA0A04FC94B}">
-              <ma14:wrappingTextBoxFlag xmlns:ma14="http://schemas.microsoft.com/office/mac/drawingml/2011/main" xmlns="" val="1"/>
+              <ma14:wrappingTextBoxFlag xmlns="" xmlns:ma14="http://schemas.microsoft.com/office/mac/drawingml/2011/main" val="1"/>
             </a:ext>
           </a:extLst>
         </p:spPr>
@@ -3164,12 +3125,16 @@
               </a:defRPr>
             </a:pPr>
             <a:r>
+              <a:rPr lang="nl-BE" dirty="0"/>
+              <a:t>	</a:t>
+            </a:r>
+            <a:r>
               <a:rPr lang="nl-BE" sz="4500" dirty="0" smtClean="0">
                 <a:solidFill>
                   <a:srgbClr val="FFFFFF"/>
                 </a:solidFill>
               </a:rPr>
-              <a:t>		Observatie</a:t>
+              <a:t>Observatie</a:t>
             </a:r>
             <a:endParaRPr lang="nl-BE" sz="4500" dirty="0">
               <a:solidFill>
@@ -3846,7 +3811,7 @@
           <a:bodyPr/>
           <a:lstStyle/>
           <a:p>
-            <a:pPr lvl="0">
+            <a:pPr lvl="0" algn="l">
               <a:defRPr sz="1800">
                 <a:solidFill>
                   <a:srgbClr val="000000"/>
@@ -3891,7 +3856,7 @@
           </a:ln>
           <a:extLst>
             <a:ext uri="{C572A759-6A51-4108-AA02-DFA0A04FC94B}">
-              <ma14:wrappingTextBoxFlag xmlns:ma14="http://schemas.microsoft.com/office/mac/drawingml/2011/main" xmlns="" val="1"/>
+              <ma14:wrappingTextBoxFlag xmlns="" xmlns:ma14="http://schemas.microsoft.com/office/mac/drawingml/2011/main" val="1"/>
             </a:ext>
           </a:extLst>
         </p:spPr>
@@ -3915,7 +3880,7 @@
                   <a:srgbClr val="FFFFFF"/>
                 </a:solidFill>
               </a:rPr>
-              <a:t>		</a:t>
+              <a:t>	</a:t>
             </a:r>
             <a:r>
               <a:rPr sz="4500" dirty="0" err="1" smtClean="0">
@@ -3948,7 +3913,39 @@
                   <a:srgbClr val="FFFFFF"/>
                 </a:solidFill>
               </a:rPr>
-              <a:t>	</a:t>
+              <a:t>		</a:t>
+            </a:r>
+            <a:r>
+              <a:rPr lang="nl-BE" sz="3800" dirty="0" smtClean="0">
+                <a:solidFill>
+                  <a:srgbClr val="FFFFFF"/>
+                </a:solidFill>
+              </a:rPr>
+              <a:t>Me</a:t>
+            </a:r>
+            <a:r>
+              <a:rPr sz="3800" dirty="0" smtClean="0">
+                <a:solidFill>
+                  <a:srgbClr val="FFFFFF"/>
+                </a:solidFill>
+              </a:rPr>
+              <a:t>t </a:t>
+            </a:r>
+            <a:r>
+              <a:rPr sz="3800" dirty="0" err="1">
+                <a:solidFill>
+                  <a:srgbClr val="FFFFFF"/>
+                </a:solidFill>
+              </a:rPr>
+              <a:t>behulp</a:t>
+            </a:r>
+            <a:r>
+              <a:rPr sz="3800" dirty="0">
+                <a:solidFill>
+                  <a:srgbClr val="FFFFFF"/>
+                </a:solidFill>
+              </a:rPr>
+              <a:t> van Equation Discovery is het </a:t>
             </a:r>
             <a:r>
               <a:rPr lang="en-US" sz="3800" dirty="0" smtClean="0">
@@ -3956,55 +3953,7 @@
                   <a:srgbClr val="FFFFFF"/>
                 </a:solidFill>
               </a:rPr>
-              <a:t>		</a:t>
-            </a:r>
-            <a:r>
-              <a:rPr lang="nl-BE" sz="3800" dirty="0" smtClean="0">
-                <a:solidFill>
-                  <a:srgbClr val="FFFFFF"/>
-                </a:solidFill>
-              </a:rPr>
-              <a:t>Me</a:t>
-            </a:r>
-            <a:r>
-              <a:rPr sz="3800" dirty="0" smtClean="0">
-                <a:solidFill>
-                  <a:srgbClr val="FFFFFF"/>
-                </a:solidFill>
-              </a:rPr>
-              <a:t>t </a:t>
-            </a:r>
-            <a:r>
-              <a:rPr sz="3800" dirty="0" err="1">
-                <a:solidFill>
-                  <a:srgbClr val="FFFFFF"/>
-                </a:solidFill>
-              </a:rPr>
-              <a:t>behulp</a:t>
-            </a:r>
-            <a:r>
-              <a:rPr sz="3800" dirty="0">
-                <a:solidFill>
-                  <a:srgbClr val="FFFFFF"/>
-                </a:solidFill>
-              </a:rPr>
-              <a:t> van Equation Discovery is het </a:t>
-            </a:r>
-            <a:r>
-              <a:rPr lang="en-US" sz="3800" dirty="0" smtClean="0">
-                <a:solidFill>
-                  <a:srgbClr val="FFFFFF"/>
-                </a:solidFill>
-              </a:rPr>
-              <a:t>	</a:t>
-            </a:r>
-            <a:r>
-              <a:rPr lang="en-US" sz="3800" dirty="0" smtClean="0">
-                <a:solidFill>
-                  <a:srgbClr val="FFFFFF"/>
-                </a:solidFill>
-              </a:rPr>
-              <a:t>				</a:t>
+              <a:t>					</a:t>
             </a:r>
             <a:r>
               <a:rPr sz="3800" dirty="0" err="1" smtClean="0">
@@ -4120,7 +4069,7 @@
                   <a:srgbClr val="FFFFFF"/>
                 </a:solidFill>
               </a:rPr>
-              <a:t>		</a:t>
+              <a:t>	</a:t>
             </a:r>
             <a:r>
               <a:rPr sz="4500" dirty="0" err="1" smtClean="0">
@@ -4153,7 +4102,39 @@
                   <a:srgbClr val="FFFFFF"/>
                 </a:solidFill>
               </a:rPr>
-              <a:t>	</a:t>
+              <a:t>		</a:t>
+            </a:r>
+            <a:r>
+              <a:rPr sz="3800" dirty="0" smtClean="0">
+                <a:solidFill>
+                  <a:srgbClr val="FFFFFF"/>
+                </a:solidFill>
+              </a:rPr>
+              <a:t>Het </a:t>
+            </a:r>
+            <a:r>
+              <a:rPr sz="3800" dirty="0">
+                <a:solidFill>
+                  <a:srgbClr val="FFFFFF"/>
+                </a:solidFill>
+              </a:rPr>
+              <a:t>toepassen op enkele </a:t>
+            </a:r>
+            <a:r>
+              <a:rPr sz="3800" dirty="0" err="1">
+                <a:solidFill>
+                  <a:srgbClr val="FFFFFF"/>
+                </a:solidFill>
+              </a:rPr>
+              <a:t>voorbeelden</a:t>
+            </a:r>
+            <a:r>
+              <a:rPr sz="3800" dirty="0">
+                <a:solidFill>
+                  <a:srgbClr val="FFFFFF"/>
+                </a:solidFill>
+              </a:rPr>
+              <a:t> </a:t>
             </a:r>
             <a:r>
               <a:rPr lang="en-US" sz="3800" dirty="0" smtClean="0">
@@ -4161,55 +4142,7 @@
                   <a:srgbClr val="FFFFFF"/>
                 </a:solidFill>
               </a:rPr>
-              <a:t>		</a:t>
-            </a:r>
-            <a:r>
-              <a:rPr sz="3800" dirty="0" smtClean="0">
-                <a:solidFill>
-                  <a:srgbClr val="FFFFFF"/>
-                </a:solidFill>
-              </a:rPr>
-              <a:t>Het </a:t>
-            </a:r>
-            <a:r>
-              <a:rPr sz="3800" dirty="0">
-                <a:solidFill>
-                  <a:srgbClr val="FFFFFF"/>
-                </a:solidFill>
-              </a:rPr>
-              <a:t>toepassen op enkele </a:t>
-            </a:r>
-            <a:r>
-              <a:rPr sz="3800" dirty="0" err="1">
-                <a:solidFill>
-                  <a:srgbClr val="FFFFFF"/>
-                </a:solidFill>
-              </a:rPr>
-              <a:t>voorbeelden</a:t>
-            </a:r>
-            <a:r>
-              <a:rPr sz="3800" dirty="0">
-                <a:solidFill>
-                  <a:srgbClr val="FFFFFF"/>
-                </a:solidFill>
-              </a:rPr>
-              <a:t> </a:t>
-            </a:r>
-            <a:r>
-              <a:rPr lang="en-US" sz="3800" dirty="0" smtClean="0">
-                <a:solidFill>
-                  <a:srgbClr val="FFFFFF"/>
-                </a:solidFill>
-              </a:rPr>
-              <a:t>	</a:t>
-            </a:r>
-            <a:r>
-              <a:rPr lang="en-US" sz="3800" dirty="0" smtClean="0">
-                <a:solidFill>
-                  <a:srgbClr val="FFFFFF"/>
-                </a:solidFill>
-              </a:rPr>
-              <a:t>					</a:t>
+              <a:t>						</a:t>
             </a:r>
             <a:r>
               <a:rPr sz="3800" dirty="0" smtClean="0">
@@ -4245,7 +4178,7 @@
                   <a:srgbClr val="FFFFFF"/>
                 </a:solidFill>
               </a:rPr>
-              <a:t>		</a:t>
+              <a:t>	</a:t>
             </a:r>
             <a:r>
               <a:rPr sz="4500" dirty="0" err="1" smtClean="0">
@@ -4278,14 +4211,6 @@
                   <a:srgbClr val="FFFFFF"/>
                 </a:solidFill>
               </a:rPr>
-              <a:t>	</a:t>
-            </a:r>
-            <a:r>
-              <a:rPr lang="en-US" sz="3800" dirty="0" smtClean="0">
-                <a:solidFill>
-                  <a:srgbClr val="FFFFFF"/>
-                </a:solidFill>
-              </a:rPr>
               <a:t>		</a:t>
             </a:r>
             <a:r>
@@ -4326,18 +4251,10 @@
                   <a:srgbClr val="FFFFFF"/>
                 </a:solidFill>
               </a:rPr>
-              <a:t> </a:t>
-            </a:r>
-            <a:r>
-              <a:rPr lang="nl-BE" sz="3800" smtClean="0">
-                <a:solidFill>
-                  <a:srgbClr val="FFFFFF"/>
-                </a:solidFill>
-              </a:rPr>
-              <a:t>&amp; geheugen</a:t>
-            </a:r>
-            <a:r>
-              <a:rPr sz="3800" smtClean="0">
+              <a:t> &amp; geheugen</a:t>
+            </a:r>
+            <a:r>
+              <a:rPr sz="3800" dirty="0" smtClean="0">
                 <a:solidFill>
                   <a:srgbClr val="FFFFFF"/>
                 </a:solidFill>
@@ -4708,7 +4625,7 @@
           <a:bodyPr/>
           <a:lstStyle/>
           <a:p>
-            <a:pPr lvl="0">
+            <a:pPr lvl="0" algn="l">
               <a:defRPr sz="1800">
                 <a:solidFill>
                   <a:srgbClr val="000000"/>
@@ -4938,7 +4855,7 @@
           </a:ln>
           <a:extLst>
             <a:ext uri="{C572A759-6A51-4108-AA02-DFA0A04FC94B}">
-              <ma14:wrappingTextBoxFlag xmlns:ma14="http://schemas.microsoft.com/office/mac/drawingml/2011/main" xmlns="" val="1"/>
+              <ma14:wrappingTextBoxFlag xmlns="" xmlns:ma14="http://schemas.microsoft.com/office/mac/drawingml/2011/main" val="1"/>
             </a:ext>
           </a:extLst>
         </p:spPr>
